--- a/Unconventional R.pptx
+++ b/Unconventional R.pptx
@@ -3726,7 +3726,9 @@
           <a:lstStyle/>
           <a:p>
             <a:r>
-              <a:rPr lang="en-US" dirty="0" smtClean="0"/>
+              <a:rPr lang="en-US" dirty="0" smtClean="0">
+                <a:hlinkClick r:id="rId6"/>
+              </a:rPr>
               <a:t>©Trevor Branch</a:t>
             </a:r>
             <a:endParaRPr lang="en-US" dirty="0"/>
@@ -4375,7 +4377,7 @@
       </p:sp>
       <p:sp>
         <p:nvSpPr>
-          <p:cNvPr id="16" name="Rectangle 15"/>
+          <p:cNvPr id="18" name="Rectangle 17"/>
           <p:cNvSpPr/>
           <p:nvPr/>
         </p:nvSpPr>
@@ -4395,7 +4397,9 @@
           <a:lstStyle/>
           <a:p>
             <a:r>
-              <a:rPr lang="en-US" dirty="0" smtClean="0"/>
+              <a:rPr lang="en-US" dirty="0" smtClean="0">
+                <a:hlinkClick r:id="rId6"/>
+              </a:rPr>
               <a:t>©Trevor Branch</a:t>
             </a:r>
             <a:endParaRPr lang="en-US" dirty="0"/>
@@ -4540,11 +4544,6 @@
               </a:rPr>
               <a:t>with R code)</a:t>
             </a:r>
-            <a:endParaRPr lang="en-US" dirty="0">
-              <a:solidFill>
-                <a:srgbClr val="FF0000"/>
-              </a:solidFill>
-            </a:endParaRPr>
           </a:p>
         </p:txBody>
       </p:sp>
@@ -4585,11 +4584,6 @@
               </a:rPr>
               <a:t>Objects you have created</a:t>
             </a:r>
-            <a:endParaRPr lang="en-US" dirty="0">
-              <a:solidFill>
-                <a:srgbClr val="FF0000"/>
-              </a:solidFill>
-            </a:endParaRPr>
           </a:p>
         </p:txBody>
       </p:sp>
@@ -4630,11 +4624,6 @@
               </a:rPr>
               <a:t>Plots and help</a:t>
             </a:r>
-            <a:endParaRPr lang="en-US" dirty="0">
-              <a:solidFill>
-                <a:srgbClr val="FF0000"/>
-              </a:solidFill>
-            </a:endParaRPr>
           </a:p>
         </p:txBody>
       </p:sp>
@@ -4685,17 +4674,12 @@
               </a:rPr>
               <a:t>running R code)</a:t>
             </a:r>
-            <a:endParaRPr lang="en-US" dirty="0">
-              <a:solidFill>
-                <a:srgbClr val="FF0000"/>
-              </a:solidFill>
-            </a:endParaRPr>
-          </a:p>
-        </p:txBody>
-      </p:sp>
-      <p:sp>
-        <p:nvSpPr>
-          <p:cNvPr id="10" name="Rectangle 9"/>
+          </a:p>
+        </p:txBody>
+      </p:sp>
+      <p:sp>
+        <p:nvSpPr>
+          <p:cNvPr id="11" name="Rectangle 10"/>
           <p:cNvSpPr/>
           <p:nvPr/>
         </p:nvSpPr>
@@ -4715,7 +4699,9 @@
           <a:lstStyle/>
           <a:p>
             <a:r>
-              <a:rPr lang="en-US" dirty="0" smtClean="0"/>
+              <a:rPr lang="en-US" dirty="0" smtClean="0">
+                <a:hlinkClick r:id="rId3"/>
+              </a:rPr>
               <a:t>©Trevor Branch</a:t>
             </a:r>
             <a:endParaRPr lang="en-US" dirty="0"/>
@@ -5705,35 +5691,6 @@
       </p:grpSpPr>
       <p:sp>
         <p:nvSpPr>
-          <p:cNvPr id="4" name="Rectangle 3"/>
-          <p:cNvSpPr/>
-          <p:nvPr/>
-        </p:nvSpPr>
-        <p:spPr>
-          <a:xfrm>
-            <a:off x="10516220" y="1187679"/>
-            <a:ext cx="1675780" cy="369332"/>
-          </a:xfrm>
-          <a:prstGeom prst="rect">
-            <a:avLst/>
-          </a:prstGeom>
-        </p:spPr>
-        <p:txBody>
-          <a:bodyPr wrap="none">
-            <a:spAutoFit/>
-          </a:bodyPr>
-          <a:lstStyle/>
-          <a:p>
-            <a:r>
-              <a:rPr lang="en-US" dirty="0" smtClean="0"/>
-              <a:t>©Trevor Branch</a:t>
-            </a:r>
-            <a:endParaRPr lang="en-US" dirty="0"/>
-          </a:p>
-        </p:txBody>
-      </p:sp>
-      <p:sp>
-        <p:nvSpPr>
           <p:cNvPr id="5" name="Title 1"/>
           <p:cNvSpPr txBox="1">
             <a:spLocks/>
@@ -6056,6 +6013,37 @@
               <a:t>[1] "M" "F" "F" "M" "F" "M" "M" "F" "F" "M"</a:t>
             </a:r>
             <a:endParaRPr lang="en-US" sz="2000" dirty="0"/>
+          </a:p>
+        </p:txBody>
+      </p:sp>
+      <p:sp>
+        <p:nvSpPr>
+          <p:cNvPr id="6" name="Rectangle 5"/>
+          <p:cNvSpPr/>
+          <p:nvPr/>
+        </p:nvSpPr>
+        <p:spPr>
+          <a:xfrm>
+            <a:off x="10397818" y="1372345"/>
+            <a:ext cx="1675780" cy="369332"/>
+          </a:xfrm>
+          <a:prstGeom prst="rect">
+            <a:avLst/>
+          </a:prstGeom>
+        </p:spPr>
+        <p:txBody>
+          <a:bodyPr wrap="none">
+            <a:spAutoFit/>
+          </a:bodyPr>
+          <a:lstStyle/>
+          <a:p>
+            <a:r>
+              <a:rPr lang="en-US" dirty="0" smtClean="0">
+                <a:hlinkClick r:id="rId2"/>
+              </a:rPr>
+              <a:t>©Trevor Branch</a:t>
+            </a:r>
+            <a:endParaRPr lang="en-US" dirty="0"/>
           </a:p>
         </p:txBody>
       </p:sp>
@@ -6098,35 +6086,6 @@
       </p:grpSpPr>
       <p:sp>
         <p:nvSpPr>
-          <p:cNvPr id="4" name="Rectangle 3"/>
-          <p:cNvSpPr/>
-          <p:nvPr/>
-        </p:nvSpPr>
-        <p:spPr>
-          <a:xfrm>
-            <a:off x="10487774" y="1418610"/>
-            <a:ext cx="1675780" cy="369332"/>
-          </a:xfrm>
-          <a:prstGeom prst="rect">
-            <a:avLst/>
-          </a:prstGeom>
-        </p:spPr>
-        <p:txBody>
-          <a:bodyPr wrap="none">
-            <a:spAutoFit/>
-          </a:bodyPr>
-          <a:lstStyle/>
-          <a:p>
-            <a:r>
-              <a:rPr lang="en-US" dirty="0" smtClean="0"/>
-              <a:t>©Trevor Branch</a:t>
-            </a:r>
-            <a:endParaRPr lang="en-US" dirty="0"/>
-          </a:p>
-        </p:txBody>
-      </p:sp>
-      <p:sp>
-        <p:nvSpPr>
           <p:cNvPr id="5" name="Title 1"/>
           <p:cNvSpPr txBox="1">
             <a:spLocks/>
@@ -6407,6 +6366,37 @@
               <a:t>... </a:t>
             </a:r>
             <a:endParaRPr lang="en-US" sz="2200" dirty="0"/>
+          </a:p>
+        </p:txBody>
+      </p:sp>
+      <p:sp>
+        <p:nvSpPr>
+          <p:cNvPr id="6" name="Rectangle 5"/>
+          <p:cNvSpPr/>
+          <p:nvPr/>
+        </p:nvSpPr>
+        <p:spPr>
+          <a:xfrm>
+            <a:off x="10358357" y="1507540"/>
+            <a:ext cx="1675780" cy="369332"/>
+          </a:xfrm>
+          <a:prstGeom prst="rect">
+            <a:avLst/>
+          </a:prstGeom>
+        </p:spPr>
+        <p:txBody>
+          <a:bodyPr wrap="none">
+            <a:spAutoFit/>
+          </a:bodyPr>
+          <a:lstStyle/>
+          <a:p>
+            <a:r>
+              <a:rPr lang="en-US" dirty="0" smtClean="0">
+                <a:hlinkClick r:id="rId2"/>
+              </a:rPr>
+              <a:t>©Trevor Branch</a:t>
+            </a:r>
+            <a:endParaRPr lang="en-US" dirty="0"/>
           </a:p>
         </p:txBody>
       </p:sp>
@@ -7058,15 +7048,7 @@
             </a:pPr>
             <a:r>
               <a:rPr lang="en-US" sz="3600" dirty="0" smtClean="0"/>
-              <a:t>Find great online resources (and friends) to </a:t>
-            </a:r>
-            <a:r>
-              <a:rPr lang="en-US" sz="3600" dirty="0" smtClean="0"/>
-              <a:t>get more </a:t>
-            </a:r>
-            <a:r>
-              <a:rPr lang="en-US" sz="3600" dirty="0" smtClean="0"/>
-              <a:t>code from</a:t>
+              <a:t>Find great online resources (and friends) to get more code from</a:t>
             </a:r>
           </a:p>
           <a:p>
@@ -7700,19 +7682,7 @@
             </a:pPr>
             <a:r>
               <a:rPr lang="en-US" dirty="0" smtClean="0"/>
-              <a:t>3. Find great online resources (and friends) to </a:t>
-            </a:r>
-            <a:r>
-              <a:rPr lang="en-US" dirty="0" smtClean="0"/>
-              <a:t>get </a:t>
-            </a:r>
-            <a:r>
-              <a:rPr lang="en-US" dirty="0" smtClean="0"/>
-              <a:t>more </a:t>
-            </a:r>
-            <a:r>
-              <a:rPr lang="en-US" dirty="0" smtClean="0"/>
-              <a:t>code</a:t>
+              <a:t>3. Find great online resources (and friends) to get more code</a:t>
             </a:r>
           </a:p>
         </p:txBody>
@@ -8495,15 +8465,7 @@
             </a:pPr>
             <a:r>
               <a:rPr lang="en-US" dirty="0" smtClean="0"/>
-              <a:t>3. Find great online resources (and friends) to </a:t>
-            </a:r>
-            <a:r>
-              <a:rPr lang="en-US" dirty="0" smtClean="0"/>
-              <a:t>get more </a:t>
-            </a:r>
-            <a:r>
-              <a:rPr lang="en-US" dirty="0" smtClean="0"/>
-              <a:t>code from</a:t>
+              <a:t>3. Find great online resources (and friends) to get more code from</a:t>
             </a:r>
           </a:p>
         </p:txBody>
@@ -8618,7 +8580,6 @@
               <a:rPr lang="en-US" sz="2400" b="1" dirty="0" smtClean="0"/>
               <a:t>These sites are sometimes a bit of a learning curve</a:t>
             </a:r>
-            <a:endParaRPr lang="en-US" sz="2400" b="1" dirty="0" smtClean="0"/>
           </a:p>
         </p:txBody>
       </p:sp>
